--- a/400Lvl/CMP 409/slides/CMP 409 Lect 8.pptx
+++ b/400Lvl/CMP 409/slides/CMP 409 Lect 8.pptx
@@ -344,7 +344,7 @@
           <a:p>
             <a:fld id="{511E13D5-6786-7248-BFBC-6AF193E94647}" type="datetimeFigureOut">
               <a:rPr lang="en-US" smtClean="0"/>
-              <a:t>10/18/23</a:t>
+              <a:t>12/7/2023</a:t>
             </a:fld>
             <a:endParaRPr lang="en-US"/>
           </a:p>
@@ -701,7 +701,7 @@
           <a:p>
             <a:fld id="{511E13D5-6786-7248-BFBC-6AF193E94647}" type="datetimeFigureOut">
               <a:rPr lang="en-US" smtClean="0"/>
-              <a:t>10/18/23</a:t>
+              <a:t>12/7/2023</a:t>
             </a:fld>
             <a:endParaRPr lang="en-US"/>
           </a:p>
@@ -870,7 +870,7 @@
           <a:p>
             <a:fld id="{511E13D5-6786-7248-BFBC-6AF193E94647}" type="datetimeFigureOut">
               <a:rPr lang="en-US" smtClean="0"/>
-              <a:t>10/18/23</a:t>
+              <a:t>12/7/2023</a:t>
             </a:fld>
             <a:endParaRPr lang="en-US"/>
           </a:p>
@@ -1049,7 +1049,7 @@
           <a:p>
             <a:fld id="{511E13D5-6786-7248-BFBC-6AF193E94647}" type="datetimeFigureOut">
               <a:rPr lang="en-US" smtClean="0"/>
-              <a:t>10/18/23</a:t>
+              <a:t>12/7/2023</a:t>
             </a:fld>
             <a:endParaRPr lang="en-US"/>
           </a:p>
@@ -1218,7 +1218,7 @@
           <a:p>
             <a:fld id="{511E13D5-6786-7248-BFBC-6AF193E94647}" type="datetimeFigureOut">
               <a:rPr lang="en-US" smtClean="0"/>
-              <a:t>10/18/23</a:t>
+              <a:t>12/7/2023</a:t>
             </a:fld>
             <a:endParaRPr lang="en-US"/>
           </a:p>
@@ -1495,7 +1495,7 @@
           <a:p>
             <a:fld id="{511E13D5-6786-7248-BFBC-6AF193E94647}" type="datetimeFigureOut">
               <a:rPr lang="en-US" smtClean="0"/>
-              <a:t>10/18/23</a:t>
+              <a:t>12/7/2023</a:t>
             </a:fld>
             <a:endParaRPr lang="en-US"/>
           </a:p>
@@ -1787,7 +1787,7 @@
           <a:p>
             <a:fld id="{511E13D5-6786-7248-BFBC-6AF193E94647}" type="datetimeFigureOut">
               <a:rPr lang="en-US" smtClean="0"/>
-              <a:t>10/18/23</a:t>
+              <a:t>12/7/2023</a:t>
             </a:fld>
             <a:endParaRPr lang="en-US"/>
           </a:p>
@@ -2223,7 +2223,7 @@
           <a:p>
             <a:fld id="{511E13D5-6786-7248-BFBC-6AF193E94647}" type="datetimeFigureOut">
               <a:rPr lang="en-US" smtClean="0"/>
-              <a:t>10/18/23</a:t>
+              <a:t>12/7/2023</a:t>
             </a:fld>
             <a:endParaRPr lang="en-US"/>
           </a:p>
@@ -2336,7 +2336,7 @@
           <a:p>
             <a:fld id="{511E13D5-6786-7248-BFBC-6AF193E94647}" type="datetimeFigureOut">
               <a:rPr lang="en-US" smtClean="0"/>
-              <a:t>10/18/23</a:t>
+              <a:t>12/7/2023</a:t>
             </a:fld>
             <a:endParaRPr lang="en-US"/>
           </a:p>
@@ -2426,7 +2426,7 @@
           <a:p>
             <a:fld id="{511E13D5-6786-7248-BFBC-6AF193E94647}" type="datetimeFigureOut">
               <a:rPr lang="en-US" smtClean="0"/>
-              <a:t>10/18/23</a:t>
+              <a:t>12/7/2023</a:t>
             </a:fld>
             <a:endParaRPr lang="en-US"/>
           </a:p>
@@ -2763,7 +2763,7 @@
           <a:p>
             <a:fld id="{511E13D5-6786-7248-BFBC-6AF193E94647}" type="datetimeFigureOut">
               <a:rPr lang="en-US" smtClean="0"/>
-              <a:t>10/18/23</a:t>
+              <a:t>12/7/2023</a:t>
             </a:fld>
             <a:endParaRPr lang="en-US"/>
           </a:p>
@@ -3078,7 +3078,7 @@
           <a:p>
             <a:fld id="{511E13D5-6786-7248-BFBC-6AF193E94647}" type="datetimeFigureOut">
               <a:rPr lang="en-US" smtClean="0"/>
-              <a:t>10/18/23</a:t>
+              <a:t>12/7/2023</a:t>
             </a:fld>
             <a:endParaRPr lang="en-US"/>
           </a:p>
@@ -3324,7 +3324,7 @@
           <a:p>
             <a:fld id="{511E13D5-6786-7248-BFBC-6AF193E94647}" type="datetimeFigureOut">
               <a:rPr lang="en-US" smtClean="0"/>
-              <a:t>10/18/23</a:t>
+              <a:t>12/7/2023</a:t>
             </a:fld>
             <a:endParaRPr lang="en-US"/>
           </a:p>
@@ -4974,8 +4974,8 @@
           </a:graphicData>
         </a:graphic>
       </p:graphicFrame>
-      <mc:AlternateContent xmlns:mc="http://schemas.openxmlformats.org/markup-compatibility/2006" xmlns:a14="http://schemas.microsoft.com/office/drawing/2010/main">
-        <mc:Choice Requires="a14">
+      <mc:AlternateContent xmlns:mc="http://schemas.openxmlformats.org/markup-compatibility/2006">
+        <mc:Choice xmlns:a14="http://schemas.microsoft.com/office/drawing/2010/main" Requires="a14">
           <p:sp>
             <p:nvSpPr>
               <p:cNvPr id="5" name="TextBox 4">
@@ -5005,7 +5005,7 @@
               <a:lstStyle/>
               <a:p>
                 <a:r>
-                  <a:rPr lang="en-US" sz="2800" dirty="0"/>
+                  <a:rPr lang="en-US" sz="2800" dirty="0" smtClean="0"/>
                   <a:t>Accuracy = </a:t>
                 </a:r>
                 <a14:m>
@@ -5030,7 +5030,7 @@
                             <a:latin typeface="Cambria Math" panose="02040503050406030204" pitchFamily="18" charset="0"/>
                             <a:ea typeface="Cambria Math" panose="02040503050406030204" pitchFamily="18" charset="0"/>
                           </a:rPr>
-                          <m:t>÷</m:t>
+                          <m:t>+</m:t>
                         </m:r>
                         <m:r>
                           <a:rPr lang="en-US" sz="2800" b="0" i="1" smtClean="0">
@@ -5068,7 +5068,7 @@
             </p:txBody>
           </p:sp>
         </mc:Choice>
-        <mc:Fallback xmlns="">
+        <mc:Fallback>
           <p:sp>
             <p:nvSpPr>
               <p:cNvPr id="5" name="TextBox 4">
@@ -5094,7 +5094,7 @@
               <a:blipFill>
                 <a:blip r:embed="rId2"/>
                 <a:stretch>
-                  <a:fillRect l="-3086" b="-11667"/>
+                  <a:fillRect l="-3125" b="-4878"/>
                 </a:stretch>
               </a:blipFill>
             </p:spPr>
